--- a/додаткові матеріали/Проектна робота.pptx
+++ b/додаткові матеріали/Проектна робота.pptx
@@ -112,6 +112,11 @@
       </a:defRPr>
     </a:lvl9pPr>
   </p:defaultTextStyle>
+  <p:extLst>
+    <p:ext uri="{EFAFB233-063F-42B5-8137-9DF3F51BA10A}">
+      <p15:sldGuideLst xmlns:p15="http://schemas.microsoft.com/office/powerpoint/2012/main"/>
+    </p:ext>
+  </p:extLst>
 </p:presentation>
 </file>
 
@@ -860,7 +865,7 @@
           <a:p>
             <a:fld id="{A05062D3-F328-4951-86D0-2B86E143516C}" type="datetimeFigureOut">
               <a:rPr lang="uk-UA" smtClean="0"/>
-              <a:t>02.11.2025</a:t>
+              <a:t>03.11.2025</a:t>
             </a:fld>
             <a:endParaRPr lang="uk-UA"/>
           </a:p>
@@ -1111,7 +1116,7 @@
           <a:p>
             <a:fld id="{A05062D3-F328-4951-86D0-2B86E143516C}" type="datetimeFigureOut">
               <a:rPr lang="uk-UA" smtClean="0"/>
-              <a:t>02.11.2025</a:t>
+              <a:t>03.11.2025</a:t>
             </a:fld>
             <a:endParaRPr lang="uk-UA"/>
           </a:p>
@@ -1425,7 +1430,7 @@
           <a:p>
             <a:fld id="{A05062D3-F328-4951-86D0-2B86E143516C}" type="datetimeFigureOut">
               <a:rPr lang="uk-UA" smtClean="0"/>
-              <a:t>02.11.2025</a:t>
+              <a:t>03.11.2025</a:t>
             </a:fld>
             <a:endParaRPr lang="uk-UA"/>
           </a:p>
@@ -1758,7 +1763,7 @@
           <a:p>
             <a:fld id="{A05062D3-F328-4951-86D0-2B86E143516C}" type="datetimeFigureOut">
               <a:rPr lang="uk-UA" smtClean="0"/>
-              <a:t>02.11.2025</a:t>
+              <a:t>03.11.2025</a:t>
             </a:fld>
             <a:endParaRPr lang="uk-UA"/>
           </a:p>
@@ -2072,7 +2077,7 @@
           <a:p>
             <a:fld id="{A05062D3-F328-4951-86D0-2B86E143516C}" type="datetimeFigureOut">
               <a:rPr lang="uk-UA" smtClean="0"/>
-              <a:t>02.11.2025</a:t>
+              <a:t>03.11.2025</a:t>
             </a:fld>
             <a:endParaRPr lang="uk-UA"/>
           </a:p>
@@ -2465,7 +2470,7 @@
           <a:p>
             <a:fld id="{A05062D3-F328-4951-86D0-2B86E143516C}" type="datetimeFigureOut">
               <a:rPr lang="uk-UA" smtClean="0"/>
-              <a:t>02.11.2025</a:t>
+              <a:t>03.11.2025</a:t>
             </a:fld>
             <a:endParaRPr lang="uk-UA"/>
           </a:p>
@@ -2635,7 +2640,7 @@
           <a:p>
             <a:fld id="{A05062D3-F328-4951-86D0-2B86E143516C}" type="datetimeFigureOut">
               <a:rPr lang="uk-UA" smtClean="0"/>
-              <a:t>02.11.2025</a:t>
+              <a:t>03.11.2025</a:t>
             </a:fld>
             <a:endParaRPr lang="uk-UA"/>
           </a:p>
@@ -2815,7 +2820,7 @@
           <a:p>
             <a:fld id="{A05062D3-F328-4951-86D0-2B86E143516C}" type="datetimeFigureOut">
               <a:rPr lang="uk-UA" smtClean="0"/>
-              <a:t>02.11.2025</a:t>
+              <a:t>03.11.2025</a:t>
             </a:fld>
             <a:endParaRPr lang="uk-UA"/>
           </a:p>
@@ -2985,7 +2990,7 @@
           <a:p>
             <a:fld id="{A05062D3-F328-4951-86D0-2B86E143516C}" type="datetimeFigureOut">
               <a:rPr lang="uk-UA" smtClean="0"/>
-              <a:t>02.11.2025</a:t>
+              <a:t>03.11.2025</a:t>
             </a:fld>
             <a:endParaRPr lang="uk-UA"/>
           </a:p>
@@ -3232,7 +3237,7 @@
           <a:p>
             <a:fld id="{A05062D3-F328-4951-86D0-2B86E143516C}" type="datetimeFigureOut">
               <a:rPr lang="uk-UA" smtClean="0"/>
-              <a:t>02.11.2025</a:t>
+              <a:t>03.11.2025</a:t>
             </a:fld>
             <a:endParaRPr lang="uk-UA"/>
           </a:p>
@@ -3464,7 +3469,7 @@
           <a:p>
             <a:fld id="{A05062D3-F328-4951-86D0-2B86E143516C}" type="datetimeFigureOut">
               <a:rPr lang="uk-UA" smtClean="0"/>
-              <a:t>02.11.2025</a:t>
+              <a:t>03.11.2025</a:t>
             </a:fld>
             <a:endParaRPr lang="uk-UA"/>
           </a:p>
@@ -3838,7 +3843,7 @@
           <a:p>
             <a:fld id="{A05062D3-F328-4951-86D0-2B86E143516C}" type="datetimeFigureOut">
               <a:rPr lang="uk-UA" smtClean="0"/>
-              <a:t>02.11.2025</a:t>
+              <a:t>03.11.2025</a:t>
             </a:fld>
             <a:endParaRPr lang="uk-UA"/>
           </a:p>
@@ -3961,7 +3966,7 @@
           <a:p>
             <a:fld id="{A05062D3-F328-4951-86D0-2B86E143516C}" type="datetimeFigureOut">
               <a:rPr lang="uk-UA" smtClean="0"/>
-              <a:t>02.11.2025</a:t>
+              <a:t>03.11.2025</a:t>
             </a:fld>
             <a:endParaRPr lang="uk-UA"/>
           </a:p>
@@ -4056,7 +4061,7 @@
           <a:p>
             <a:fld id="{A05062D3-F328-4951-86D0-2B86E143516C}" type="datetimeFigureOut">
               <a:rPr lang="uk-UA" smtClean="0"/>
-              <a:t>02.11.2025</a:t>
+              <a:t>03.11.2025</a:t>
             </a:fld>
             <a:endParaRPr lang="uk-UA"/>
           </a:p>
@@ -4311,7 +4316,7 @@
           <a:p>
             <a:fld id="{A05062D3-F328-4951-86D0-2B86E143516C}" type="datetimeFigureOut">
               <a:rPr lang="uk-UA" smtClean="0"/>
-              <a:t>02.11.2025</a:t>
+              <a:t>03.11.2025</a:t>
             </a:fld>
             <a:endParaRPr lang="uk-UA"/>
           </a:p>
@@ -4616,7 +4621,7 @@
           <a:p>
             <a:fld id="{A05062D3-F328-4951-86D0-2B86E143516C}" type="datetimeFigureOut">
               <a:rPr lang="uk-UA" smtClean="0"/>
-              <a:t>02.11.2025</a:t>
+              <a:t>03.11.2025</a:t>
             </a:fld>
             <a:endParaRPr lang="uk-UA"/>
           </a:p>
@@ -5318,7 +5323,7 @@
           <a:p>
             <a:fld id="{A05062D3-F328-4951-86D0-2B86E143516C}" type="datetimeFigureOut">
               <a:rPr lang="uk-UA" smtClean="0"/>
-              <a:t>02.11.2025</a:t>
+              <a:t>03.11.2025</a:t>
             </a:fld>
             <a:endParaRPr lang="uk-UA"/>
           </a:p>
@@ -7545,7 +7550,7 @@
                 <a:effectLst/>
                 <a:latin typeface="+mj-lt"/>
               </a:rPr>
-              <a:t>• 3 моделі: </a:t>
+              <a:t>• 3 рівні: </a:t>
             </a:r>
             <a:r>
               <a:rPr kumimoji="0" lang="uk-UA" altLang="uk-UA" b="0" i="0" u="none" strike="noStrike" cap="none" normalizeH="0" baseline="0" dirty="0" err="1">
@@ -7574,53 +7579,37 @@
               <a:t> / </a:t>
             </a:r>
             <a:r>
-              <a:rPr kumimoji="0" lang="en-US" altLang="uk-UA" b="0" i="0" u="none" strike="noStrike" cap="none" normalizeH="0" baseline="0" dirty="0">
-                <a:ln>
-                  <a:noFill/>
-                </a:ln>
+              <a:rPr lang="uk-UA" dirty="0" err="1">
                 <a:solidFill>
                   <a:schemeClr val="tx1"/>
                 </a:solidFill>
-                <a:effectLst/>
                 <a:latin typeface="+mj-lt"/>
               </a:rPr>
-              <a:t>core</a:t>
-            </a:r>
-            <a:r>
-              <a:rPr kumimoji="0" lang="uk-UA" altLang="uk-UA" b="0" i="0" u="none" strike="noStrike" cap="none" normalizeH="0" baseline="0" dirty="0">
-                <a:ln>
-                  <a:noFill/>
-                </a:ln>
+              <a:t>intermediate</a:t>
+            </a:r>
+            <a:r>
+              <a:rPr lang="uk-UA" altLang="uk-UA" dirty="0">
                 <a:solidFill>
                   <a:schemeClr val="tx1"/>
                 </a:solidFill>
-                <a:effectLst/>
                 <a:latin typeface="+mj-lt"/>
               </a:rPr>
               <a:t> / </a:t>
             </a:r>
             <a:r>
-              <a:rPr kumimoji="0" lang="uk-UA" altLang="uk-UA" b="0" i="0" u="none" strike="noStrike" cap="none" normalizeH="0" baseline="0" dirty="0" err="1">
-                <a:ln>
-                  <a:noFill/>
-                </a:ln>
+              <a:rPr lang="uk-UA" altLang="uk-UA" dirty="0" err="1">
                 <a:solidFill>
                   <a:schemeClr val="tx1"/>
                 </a:solidFill>
-                <a:effectLst/>
                 <a:latin typeface="+mj-lt"/>
               </a:rPr>
               <a:t>marts</a:t>
             </a:r>
             <a:br>
-              <a:rPr kumimoji="0" lang="uk-UA" altLang="uk-UA" b="0" i="0" u="none" strike="noStrike" cap="none" normalizeH="0" baseline="0" dirty="0">
-                <a:ln>
-                  <a:noFill/>
-                </a:ln>
+              <a:rPr lang="uk-UA" altLang="uk-UA" dirty="0">
                 <a:solidFill>
                   <a:schemeClr val="tx1"/>
                 </a:solidFill>
-                <a:effectLst/>
                 <a:latin typeface="+mj-lt"/>
               </a:rPr>
             </a:br>
